--- a/D10X Supplyside shock.pptx
+++ b/D10X Supplyside shock.pptx
@@ -350,11 +350,11 @@
           <c:showPercent val="0"/>
           <c:showBubbleSize val="0"/>
         </c:dLbls>
-        <c:axId val="249027504"/>
-        <c:axId val="249028064"/>
+        <c:axId val="71461312"/>
+        <c:axId val="71461872"/>
       </c:scatterChart>
       <c:valAx>
-        <c:axId val="249027504"/>
+        <c:axId val="71461312"/>
         <c:scaling>
           <c:orientation val="minMax"/>
         </c:scaling>
@@ -456,12 +456,12 @@
             <a:endParaRPr lang="en-US"/>
           </a:p>
         </c:txPr>
-        <c:crossAx val="249028064"/>
+        <c:crossAx val="71461872"/>
         <c:crosses val="autoZero"/>
         <c:crossBetween val="midCat"/>
       </c:valAx>
       <c:valAx>
-        <c:axId val="249028064"/>
+        <c:axId val="71461872"/>
         <c:scaling>
           <c:orientation val="minMax"/>
         </c:scaling>
@@ -558,7 +558,7 @@
             <a:endParaRPr lang="en-US"/>
           </a:p>
         </c:txPr>
-        <c:crossAx val="249027504"/>
+        <c:crossAx val="71461312"/>
         <c:crosses val="autoZero"/>
         <c:crossBetween val="midCat"/>
       </c:valAx>
@@ -1233,7 +1233,7 @@
           <p:cNvPr id="2" name="Header Placeholder 1">
             <a:extLst>
               <a:ext uri="{FF2B5EF4-FFF2-40B4-BE49-F238E27FC236}">
-                <a16:creationId xmlns:a16="http://schemas.microsoft.com/office/drawing/2014/main" xmlns="" id="{E644646B-21C0-410B-BA17-64C59EB2927D}"/>
+                <a16:creationId xmlns="" xmlns:a16="http://schemas.microsoft.com/office/drawing/2014/main" id="{E644646B-21C0-410B-BA17-64C59EB2927D}"/>
               </a:ext>
             </a:extLst>
           </p:cNvPr>
@@ -1270,7 +1270,7 @@
           <p:cNvPr id="3" name="Date Placeholder 2">
             <a:extLst>
               <a:ext uri="{FF2B5EF4-FFF2-40B4-BE49-F238E27FC236}">
-                <a16:creationId xmlns:a16="http://schemas.microsoft.com/office/drawing/2014/main" xmlns="" id="{C289392C-F5C5-4C38-94CE-455C7F402790}"/>
+                <a16:creationId xmlns="" xmlns:a16="http://schemas.microsoft.com/office/drawing/2014/main" id="{C289392C-F5C5-4C38-94CE-455C7F402790}"/>
               </a:ext>
             </a:extLst>
           </p:cNvPr>
@@ -1300,7 +1300,7 @@
           <a:p>
             <a:fld id="{4929A4FD-FAFB-4CDA-9DC5-D20CA18269A9}" type="datetimeFigureOut">
               <a:rPr lang="en-US" smtClean="0"/>
-              <a:t>9/11/2019</a:t>
+              <a:t>1/2/2020</a:t>
             </a:fld>
             <a:endParaRPr lang="en-US" dirty="0"/>
           </a:p>
@@ -1311,7 +1311,7 @@
           <p:cNvPr id="4" name="Footer Placeholder 3">
             <a:extLst>
               <a:ext uri="{FF2B5EF4-FFF2-40B4-BE49-F238E27FC236}">
-                <a16:creationId xmlns:a16="http://schemas.microsoft.com/office/drawing/2014/main" xmlns="" id="{A62F3D2C-86D2-4CEA-B1B8-750885E16DDF}"/>
+                <a16:creationId xmlns="" xmlns:a16="http://schemas.microsoft.com/office/drawing/2014/main" id="{A62F3D2C-86D2-4CEA-B1B8-750885E16DDF}"/>
               </a:ext>
             </a:extLst>
           </p:cNvPr>
@@ -1348,7 +1348,7 @@
           <p:cNvPr id="5" name="Slide Number Placeholder 4">
             <a:extLst>
               <a:ext uri="{FF2B5EF4-FFF2-40B4-BE49-F238E27FC236}">
-                <a16:creationId xmlns:a16="http://schemas.microsoft.com/office/drawing/2014/main" xmlns="" id="{EA6D5F72-69F2-4B4B-A943-B04C4B1E36A5}"/>
+                <a16:creationId xmlns="" xmlns:a16="http://schemas.microsoft.com/office/drawing/2014/main" id="{EA6D5F72-69F2-4B4B-A943-B04C4B1E36A5}"/>
               </a:ext>
             </a:extLst>
           </p:cNvPr>
@@ -1477,7 +1477,7 @@
           <a:p>
             <a:fld id="{CB91E35E-F34C-4F0E-B8A1-D9F5F49CB3AD}" type="datetimeFigureOut">
               <a:rPr lang="en-US" smtClean="0"/>
-              <a:t>9/11/2019</a:t>
+              <a:t>1/2/2020</a:t>
             </a:fld>
             <a:endParaRPr lang="en-US" dirty="0"/>
           </a:p>
@@ -2158,7 +2158,7 @@
             <a:fld id="{B61BEF0D-F0BB-DE4B-95CE-6DB70DBA9567}" type="datetimeFigureOut">
               <a:rPr lang="en-US" smtClean="0"/>
               <a:pPr/>
-              <a:t>9/11/2019</a:t>
+              <a:t>1/2/2020</a:t>
             </a:fld>
             <a:endParaRPr lang="en-US" dirty="0"/>
           </a:p>
@@ -2422,7 +2422,7 @@
             <a:fld id="{B61BEF0D-F0BB-DE4B-95CE-6DB70DBA9567}" type="datetimeFigureOut">
               <a:rPr lang="en-US" smtClean="0"/>
               <a:pPr/>
-              <a:t>9/11/2019</a:t>
+              <a:t>1/2/2020</a:t>
             </a:fld>
             <a:endParaRPr lang="en-US" dirty="0"/>
           </a:p>
@@ -2659,7 +2659,7 @@
             <a:fld id="{B61BEF0D-F0BB-DE4B-95CE-6DB70DBA9567}" type="datetimeFigureOut">
               <a:rPr lang="en-US" smtClean="0"/>
               <a:pPr/>
-              <a:t>9/11/2019</a:t>
+              <a:t>1/2/2020</a:t>
             </a:fld>
             <a:endParaRPr lang="en-US" dirty="0"/>
           </a:p>
@@ -2901,7 +2901,7 @@
             <a:fld id="{B61BEF0D-F0BB-DE4B-95CE-6DB70DBA9567}" type="datetimeFigureOut">
               <a:rPr lang="en-US" smtClean="0"/>
               <a:pPr/>
-              <a:t>9/11/2019</a:t>
+              <a:t>1/2/2020</a:t>
             </a:fld>
             <a:endParaRPr lang="en-US" dirty="0"/>
           </a:p>
@@ -3210,7 +3210,7 @@
             <a:fld id="{B61BEF0D-F0BB-DE4B-95CE-6DB70DBA9567}" type="datetimeFigureOut">
               <a:rPr lang="en-US" smtClean="0"/>
               <a:pPr/>
-              <a:t>9/11/2019</a:t>
+              <a:t>1/2/2020</a:t>
             </a:fld>
             <a:endParaRPr lang="en-US" dirty="0"/>
           </a:p>
@@ -3514,7 +3514,7 @@
             <a:fld id="{B61BEF0D-F0BB-DE4B-95CE-6DB70DBA9567}" type="datetimeFigureOut">
               <a:rPr lang="en-US" smtClean="0"/>
               <a:pPr/>
-              <a:t>9/11/2019</a:t>
+              <a:t>1/2/2020</a:t>
             </a:fld>
             <a:endParaRPr lang="en-US" dirty="0"/>
           </a:p>
@@ -3938,7 +3938,7 @@
             <a:fld id="{B61BEF0D-F0BB-DE4B-95CE-6DB70DBA9567}" type="datetimeFigureOut">
               <a:rPr lang="en-US" smtClean="0"/>
               <a:pPr/>
-              <a:t>9/11/2019</a:t>
+              <a:t>1/2/2020</a:t>
             </a:fld>
             <a:endParaRPr lang="en-US" dirty="0"/>
           </a:p>
@@ -4035,7 +4035,7 @@
             <a:fld id="{B61BEF0D-F0BB-DE4B-95CE-6DB70DBA9567}" type="datetimeFigureOut">
               <a:rPr lang="en-US" smtClean="0"/>
               <a:pPr/>
-              <a:t>9/11/2019</a:t>
+              <a:t>1/2/2020</a:t>
             </a:fld>
             <a:endParaRPr lang="en-US" dirty="0"/>
           </a:p>
@@ -4199,7 +4199,7 @@
             <a:fld id="{B61BEF0D-F0BB-DE4B-95CE-6DB70DBA9567}" type="datetimeFigureOut">
               <a:rPr lang="en-US" smtClean="0"/>
               <a:pPr/>
-              <a:t>9/11/2019</a:t>
+              <a:t>1/2/2020</a:t>
             </a:fld>
             <a:endParaRPr lang="en-US" dirty="0"/>
           </a:p>
@@ -4579,7 +4579,7 @@
             <a:fld id="{B61BEF0D-F0BB-DE4B-95CE-6DB70DBA9567}" type="datetimeFigureOut">
               <a:rPr lang="en-US" smtClean="0"/>
               <a:pPr/>
-              <a:t>9/11/2019</a:t>
+              <a:t>1/2/2020</a:t>
             </a:fld>
             <a:endParaRPr lang="en-US" dirty="0"/>
           </a:p>
@@ -4870,7 +4870,7 @@
             <a:fld id="{B61BEF0D-F0BB-DE4B-95CE-6DB70DBA9567}" type="datetimeFigureOut">
               <a:rPr lang="en-US" smtClean="0"/>
               <a:pPr/>
-              <a:t>9/11/2019</a:t>
+              <a:t>1/2/2020</a:t>
             </a:fld>
             <a:endParaRPr lang="en-US" dirty="0"/>
           </a:p>
@@ -5083,7 +5083,7 @@
             <a:fld id="{B61BEF0D-F0BB-DE4B-95CE-6DB70DBA9567}" type="datetimeFigureOut">
               <a:rPr lang="en-US" smtClean="0"/>
               <a:pPr/>
-              <a:t>9/11/2019</a:t>
+              <a:t>1/2/2020</a:t>
             </a:fld>
             <a:endParaRPr lang="en-US" dirty="0"/>
           </a:p>
@@ -5698,10 +5698,10 @@
           <p:cNvPr id="15" name="Rectangle 14">
             <a:extLst>
               <a:ext uri="{FF2B5EF4-FFF2-40B4-BE49-F238E27FC236}">
-                <a16:creationId xmlns:a16="http://schemas.microsoft.com/office/drawing/2014/main" xmlns="" id="{493D4EDA-58E0-40CC-B3CA-14CDEB349D24}"/>
+                <a16:creationId xmlns="" xmlns:a16="http://schemas.microsoft.com/office/drawing/2014/main" id="{493D4EDA-58E0-40CC-B3CA-14CDEB349D24}"/>
               </a:ext>
               <a:ext uri="{C183D7F6-B498-43B3-948B-1728B52AA6E4}">
-                <adec:decorative xmlns:adec="http://schemas.microsoft.com/office/drawing/2017/decorative" xmlns="" val="1"/>
+                <adec:decorative xmlns="" xmlns:adec="http://schemas.microsoft.com/office/drawing/2017/decorative" val="1"/>
               </a:ext>
             </a:extLst>
           </p:cNvPr>
@@ -5711,7 +5711,7 @@
           <p:nvPr>
             <p:extLst>
               <p:ext uri="{386F3935-93C4-4BCD-93E2-E3B085C9AB24}">
-                <p16:designElem xmlns:p16="http://schemas.microsoft.com/office/powerpoint/2015/main" xmlns="" val="1"/>
+                <p16:designElem xmlns="" xmlns:p16="http://schemas.microsoft.com/office/powerpoint/2015/main" val="1"/>
               </p:ext>
             </p:extLst>
           </p:nvPr>
@@ -5758,7 +5758,7 @@
           <p:cNvPr id="7" name="Picture 6" descr="Digital Connections">
             <a:extLst>
               <a:ext uri="{FF2B5EF4-FFF2-40B4-BE49-F238E27FC236}">
-                <a16:creationId xmlns:a16="http://schemas.microsoft.com/office/drawing/2014/main" xmlns="" id="{3840F91C-EDD0-4D4E-A4AB-E6C77856C88C}"/>
+                <a16:creationId xmlns="" xmlns:a16="http://schemas.microsoft.com/office/drawing/2014/main" id="{3840F91C-EDD0-4D4E-A4AB-E6C77856C88C}"/>
               </a:ext>
             </a:extLst>
           </p:cNvPr>
@@ -5793,10 +5793,10 @@
           <p:cNvPr id="17" name="Group 16">
             <a:extLst>
               <a:ext uri="{FF2B5EF4-FFF2-40B4-BE49-F238E27FC236}">
-                <a16:creationId xmlns:a16="http://schemas.microsoft.com/office/drawing/2014/main" xmlns="" id="{AA9EB0BC-A85E-4C26-B355-5DFCEF6CCB49}"/>
+                <a16:creationId xmlns="" xmlns:a16="http://schemas.microsoft.com/office/drawing/2014/main" id="{AA9EB0BC-A85E-4C26-B355-5DFCEF6CCB49}"/>
               </a:ext>
               <a:ext uri="{C183D7F6-B498-43B3-948B-1728B52AA6E4}">
-                <adec:decorative xmlns:adec="http://schemas.microsoft.com/office/drawing/2017/decorative" xmlns="" val="1"/>
+                <adec:decorative xmlns="" xmlns:adec="http://schemas.microsoft.com/office/drawing/2017/decorative" val="1"/>
               </a:ext>
             </a:extLst>
           </p:cNvPr>
@@ -5806,7 +5806,7 @@
           <p:nvPr>
             <p:extLst>
               <p:ext uri="{386F3935-93C4-4BCD-93E2-E3B085C9AB24}">
-                <p16:designElem xmlns:p16="http://schemas.microsoft.com/office/powerpoint/2015/main" xmlns="" val="1"/>
+                <p16:designElem xmlns="" xmlns:p16="http://schemas.microsoft.com/office/powerpoint/2015/main" val="1"/>
               </p:ext>
             </p:extLst>
           </p:nvPr>
@@ -5824,10 +5824,10 @@
             <p:cNvPr id="18" name="Rectangle 17">
               <a:extLst>
                 <a:ext uri="{FF2B5EF4-FFF2-40B4-BE49-F238E27FC236}">
-                  <a16:creationId xmlns:a16="http://schemas.microsoft.com/office/drawing/2014/main" xmlns="" id="{3643E56B-BD42-413D-B17D-7958270F5DE4}"/>
+                  <a16:creationId xmlns="" xmlns:a16="http://schemas.microsoft.com/office/drawing/2014/main" id="{3643E56B-BD42-413D-B17D-7958270F5DE4}"/>
                 </a:ext>
                 <a:ext uri="{C183D7F6-B498-43B3-948B-1728B52AA6E4}">
-                  <adec:decorative xmlns:adec="http://schemas.microsoft.com/office/drawing/2017/decorative" xmlns="" val="1"/>
+                  <adec:decorative xmlns="" xmlns:adec="http://schemas.microsoft.com/office/drawing/2017/decorative" val="1"/>
                 </a:ext>
               </a:extLst>
             </p:cNvPr>
@@ -5835,7 +5835,7 @@
             <p:nvPr>
               <p:extLst>
                 <p:ext uri="{386F3935-93C4-4BCD-93E2-E3B085C9AB24}">
-                  <p16:designElem xmlns:p16="http://schemas.microsoft.com/office/powerpoint/2015/main" xmlns="" val="1"/>
+                  <p16:designElem xmlns="" xmlns:p16="http://schemas.microsoft.com/office/powerpoint/2015/main" val="1"/>
                 </p:ext>
               </p:extLst>
             </p:nvPr>
@@ -5876,10 +5876,10 @@
             <p:cNvPr id="19" name="Rectangle 18">
               <a:extLst>
                 <a:ext uri="{FF2B5EF4-FFF2-40B4-BE49-F238E27FC236}">
-                  <a16:creationId xmlns:a16="http://schemas.microsoft.com/office/drawing/2014/main" xmlns="" id="{96C04F74-9467-4FA5-95DC-8D481A29740E}"/>
+                  <a16:creationId xmlns="" xmlns:a16="http://schemas.microsoft.com/office/drawing/2014/main" id="{96C04F74-9467-4FA5-95DC-8D481A29740E}"/>
                 </a:ext>
                 <a:ext uri="{C183D7F6-B498-43B3-948B-1728B52AA6E4}">
-                  <adec:decorative xmlns:adec="http://schemas.microsoft.com/office/drawing/2017/decorative" xmlns="" val="1"/>
+                  <adec:decorative xmlns="" xmlns:adec="http://schemas.microsoft.com/office/drawing/2017/decorative" val="1"/>
                 </a:ext>
               </a:extLst>
             </p:cNvPr>
@@ -5887,7 +5887,7 @@
             <p:nvPr>
               <p:extLst>
                 <p:ext uri="{386F3935-93C4-4BCD-93E2-E3B085C9AB24}">
-                  <p16:designElem xmlns:p16="http://schemas.microsoft.com/office/powerpoint/2015/main" xmlns="" val="1"/>
+                  <p16:designElem xmlns="" xmlns:p16="http://schemas.microsoft.com/office/powerpoint/2015/main" val="1"/>
                 </p:ext>
               </p:extLst>
             </p:nvPr>
@@ -5928,10 +5928,10 @@
             <p:cNvPr id="20" name="Rectangle 19">
               <a:extLst>
                 <a:ext uri="{FF2B5EF4-FFF2-40B4-BE49-F238E27FC236}">
-                  <a16:creationId xmlns:a16="http://schemas.microsoft.com/office/drawing/2014/main" xmlns="" id="{D73DE1C3-5C37-42E9-A3F0-256F1938327C}"/>
+                  <a16:creationId xmlns="" xmlns:a16="http://schemas.microsoft.com/office/drawing/2014/main" id="{D73DE1C3-5C37-42E9-A3F0-256F1938327C}"/>
                 </a:ext>
                 <a:ext uri="{C183D7F6-B498-43B3-948B-1728B52AA6E4}">
-                  <adec:decorative xmlns:adec="http://schemas.microsoft.com/office/drawing/2017/decorative" xmlns="" val="1"/>
+                  <adec:decorative xmlns="" xmlns:adec="http://schemas.microsoft.com/office/drawing/2017/decorative" val="1"/>
                 </a:ext>
               </a:extLst>
             </p:cNvPr>
@@ -5939,7 +5939,7 @@
             <p:nvPr>
               <p:extLst>
                 <p:ext uri="{386F3935-93C4-4BCD-93E2-E3B085C9AB24}">
-                  <p16:designElem xmlns:p16="http://schemas.microsoft.com/office/powerpoint/2015/main" xmlns="" val="1"/>
+                  <p16:designElem xmlns="" xmlns:p16="http://schemas.microsoft.com/office/powerpoint/2015/main" val="1"/>
                 </p:ext>
               </p:extLst>
             </p:nvPr>
@@ -5981,10 +5981,10 @@
           <p:cNvPr id="22" name="Rectangle 21">
             <a:extLst>
               <a:ext uri="{FF2B5EF4-FFF2-40B4-BE49-F238E27FC236}">
-                <a16:creationId xmlns:a16="http://schemas.microsoft.com/office/drawing/2014/main" xmlns="" id="{4A2E7EC3-E07C-46CE-9B25-41865A50681C}"/>
+                <a16:creationId xmlns="" xmlns:a16="http://schemas.microsoft.com/office/drawing/2014/main" id="{4A2E7EC3-E07C-46CE-9B25-41865A50681C}"/>
               </a:ext>
               <a:ext uri="{C183D7F6-B498-43B3-948B-1728B52AA6E4}">
-                <adec:decorative xmlns:adec="http://schemas.microsoft.com/office/drawing/2017/decorative" xmlns="" val="1"/>
+                <adec:decorative xmlns="" xmlns:adec="http://schemas.microsoft.com/office/drawing/2017/decorative" val="1"/>
               </a:ext>
             </a:extLst>
           </p:cNvPr>
@@ -5994,7 +5994,7 @@
           <p:nvPr>
             <p:extLst>
               <p:ext uri="{386F3935-93C4-4BCD-93E2-E3B085C9AB24}">
-                <p16:designElem xmlns:p16="http://schemas.microsoft.com/office/powerpoint/2015/main" xmlns="" val="1"/>
+                <p16:designElem xmlns="" xmlns:p16="http://schemas.microsoft.com/office/powerpoint/2015/main" val="1"/>
               </p:ext>
             </p:extLst>
           </p:nvPr>
@@ -6037,7 +6037,7 @@
           <p:cNvPr id="2" name="Title 1">
             <a:extLst>
               <a:ext uri="{FF2B5EF4-FFF2-40B4-BE49-F238E27FC236}">
-                <a16:creationId xmlns:a16="http://schemas.microsoft.com/office/drawing/2014/main" xmlns="" id="{C02C5318-1A1E-49D0-B2E2-A4B0FA9E8A40}"/>
+                <a16:creationId xmlns="" xmlns:a16="http://schemas.microsoft.com/office/drawing/2014/main" id="{C02C5318-1A1E-49D0-B2E2-A4B0FA9E8A40}"/>
               </a:ext>
             </a:extLst>
           </p:cNvPr>
@@ -6081,7 +6081,7 @@
           <p:cNvPr id="3" name="Subtitle 2">
             <a:extLst>
               <a:ext uri="{FF2B5EF4-FFF2-40B4-BE49-F238E27FC236}">
-                <a16:creationId xmlns:a16="http://schemas.microsoft.com/office/drawing/2014/main" xmlns="" id="{48B6CF59-4E5B-494D-A2F7-97ADD01E6497}"/>
+                <a16:creationId xmlns="" xmlns:a16="http://schemas.microsoft.com/office/drawing/2014/main" id="{48B6CF59-4E5B-494D-A2F7-97ADD01E6497}"/>
               </a:ext>
             </a:extLst>
           </p:cNvPr>
@@ -6106,12 +6106,36 @@
           <a:p>
             <a:pPr algn="r"/>
             <a:r>
+              <a:rPr lang="en-US" dirty="0" err="1" smtClean="0">
+                <a:solidFill>
+                  <a:srgbClr val="7CEBFF"/>
+                </a:solidFill>
+              </a:rPr>
+              <a:t>Ver</a:t>
+            </a:r>
+            <a:r>
+              <a:rPr lang="en-US" smtClean="0">
+                <a:solidFill>
+                  <a:srgbClr val="7CEBFF"/>
+                </a:solidFill>
+              </a:rPr>
+              <a:t> 1.1 Comm</a:t>
+            </a:r>
+            <a:r>
               <a:rPr lang="en-US" dirty="0" smtClean="0">
                 <a:solidFill>
                   <a:srgbClr val="7CEBFF"/>
                 </a:solidFill>
               </a:rPr>
-              <a:t>Comm Labs</a:t>
+              <a:t> </a:t>
+            </a:r>
+            <a:r>
+              <a:rPr lang="en-US" dirty="0" smtClean="0">
+                <a:solidFill>
+                  <a:srgbClr val="7CEBFF"/>
+                </a:solidFill>
+              </a:rPr>
+              <a:t>Labs</a:t>
             </a:r>
             <a:endParaRPr lang="en-US" dirty="0">
               <a:solidFill>
@@ -7830,8 +7854,8 @@
           </a:p>
         </p:txBody>
       </p:sp>
-      <mc:AlternateContent xmlns:mc="http://schemas.openxmlformats.org/markup-compatibility/2006">
-        <mc:Choice xmlns:a14="http://schemas.microsoft.com/office/drawing/2010/main" Requires="a14">
+      <mc:AlternateContent xmlns:mc="http://schemas.openxmlformats.org/markup-compatibility/2006" xmlns:a14="http://schemas.microsoft.com/office/drawing/2010/main">
+        <mc:Choice Requires="a14">
           <p:graphicFrame>
             <p:nvGraphicFramePr>
               <p:cNvPr id="4" name="Table 3"/>
@@ -10592,7 +10616,7 @@
             </a:graphic>
           </p:graphicFrame>
         </mc:Choice>
-        <mc:Fallback>
+        <mc:Fallback xmlns="">
           <p:graphicFrame>
             <p:nvGraphicFramePr>
               <p:cNvPr id="4" name="Table 3"/>
@@ -11517,10 +11541,10 @@
           <p:cNvPr id="10" name="Rectangle 9">
             <a:extLst>
               <a:ext uri="{FF2B5EF4-FFF2-40B4-BE49-F238E27FC236}">
-                <a16:creationId xmlns:a16="http://schemas.microsoft.com/office/drawing/2014/main" xmlns="" id="{379F11E2-8BA5-4C5C-AE7C-361E5EA011FF}"/>
+                <a16:creationId xmlns="" xmlns:a16="http://schemas.microsoft.com/office/drawing/2014/main" id="{379F11E2-8BA5-4C5C-AE7C-361E5EA011FF}"/>
               </a:ext>
               <a:ext uri="{C183D7F6-B498-43B3-948B-1728B52AA6E4}">
-                <adec:decorative xmlns:adec="http://schemas.microsoft.com/office/drawing/2017/decorative" xmlns="" val="1"/>
+                <adec:decorative xmlns="" xmlns:adec="http://schemas.microsoft.com/office/drawing/2017/decorative" val="1"/>
               </a:ext>
             </a:extLst>
           </p:cNvPr>
@@ -11530,7 +11554,7 @@
           <p:nvPr>
             <p:extLst>
               <p:ext uri="{386F3935-93C4-4BCD-93E2-E3B085C9AB24}">
-                <p16:designElem xmlns:p16="http://schemas.microsoft.com/office/powerpoint/2015/main" xmlns="" val="1"/>
+                <p16:designElem xmlns="" xmlns:p16="http://schemas.microsoft.com/office/powerpoint/2015/main" val="1"/>
               </p:ext>
             </p:extLst>
           </p:nvPr>
@@ -11577,7 +11601,7 @@
           <p:cNvPr id="5" name="Picture 4" descr="Digital Numbers">
             <a:extLst>
               <a:ext uri="{FF2B5EF4-FFF2-40B4-BE49-F238E27FC236}">
-                <a16:creationId xmlns:a16="http://schemas.microsoft.com/office/drawing/2014/main" xmlns="" id="{A21EA617-6D48-425F-97A8-7FEC82C8F401}"/>
+                <a16:creationId xmlns="" xmlns:a16="http://schemas.microsoft.com/office/drawing/2014/main" id="{A21EA617-6D48-425F-97A8-7FEC82C8F401}"/>
               </a:ext>
             </a:extLst>
           </p:cNvPr>
@@ -11612,10 +11636,10 @@
           <p:cNvPr id="12" name="Rectangle 11">
             <a:extLst>
               <a:ext uri="{FF2B5EF4-FFF2-40B4-BE49-F238E27FC236}">
-                <a16:creationId xmlns:a16="http://schemas.microsoft.com/office/drawing/2014/main" xmlns="" id="{7C00E1DA-EC7C-40FC-95E3-11FDCD2E4291}"/>
+                <a16:creationId xmlns="" xmlns:a16="http://schemas.microsoft.com/office/drawing/2014/main" id="{7C00E1DA-EC7C-40FC-95E3-11FDCD2E4291}"/>
               </a:ext>
               <a:ext uri="{C183D7F6-B498-43B3-948B-1728B52AA6E4}">
-                <adec:decorative xmlns:adec="http://schemas.microsoft.com/office/drawing/2017/decorative" xmlns="" val="1"/>
+                <adec:decorative xmlns="" xmlns:adec="http://schemas.microsoft.com/office/drawing/2017/decorative" val="1"/>
               </a:ext>
             </a:extLst>
           </p:cNvPr>
@@ -11625,7 +11649,7 @@
           <p:nvPr>
             <p:extLst>
               <p:ext uri="{386F3935-93C4-4BCD-93E2-E3B085C9AB24}">
-                <p16:designElem xmlns:p16="http://schemas.microsoft.com/office/powerpoint/2015/main" xmlns="" val="1"/>
+                <p16:designElem xmlns="" xmlns:p16="http://schemas.microsoft.com/office/powerpoint/2015/main" val="1"/>
               </p:ext>
             </p:extLst>
           </p:nvPr>
@@ -11666,7 +11690,7 @@
           <p:cNvPr id="2" name="Title 1">
             <a:extLst>
               <a:ext uri="{FF2B5EF4-FFF2-40B4-BE49-F238E27FC236}">
-                <a16:creationId xmlns:a16="http://schemas.microsoft.com/office/drawing/2014/main" xmlns="" id="{0F87E73C-2B1A-4602-BFBE-CFE1E55D9B38}"/>
+                <a16:creationId xmlns="" xmlns:a16="http://schemas.microsoft.com/office/drawing/2014/main" id="{0F87E73C-2B1A-4602-BFBE-CFE1E55D9B38}"/>
               </a:ext>
             </a:extLst>
           </p:cNvPr>
@@ -11705,7 +11729,7 @@
           <p:cNvPr id="3" name="Subtitle 2">
             <a:extLst>
               <a:ext uri="{FF2B5EF4-FFF2-40B4-BE49-F238E27FC236}">
-                <a16:creationId xmlns:a16="http://schemas.microsoft.com/office/drawing/2014/main" xmlns="" id="{A9CB511D-EA45-4336-847C-1252667143B5}"/>
+                <a16:creationId xmlns="" xmlns:a16="http://schemas.microsoft.com/office/drawing/2014/main" id="{A9CB511D-EA45-4336-847C-1252667143B5}"/>
               </a:ext>
             </a:extLst>
           </p:cNvPr>
@@ -11749,10 +11773,10 @@
           <p:cNvPr id="14" name="Group 13">
             <a:extLst>
               <a:ext uri="{FF2B5EF4-FFF2-40B4-BE49-F238E27FC236}">
-                <a16:creationId xmlns:a16="http://schemas.microsoft.com/office/drawing/2014/main" xmlns="" id="{9A421166-2996-41A7-B094-AE5316F347DD}"/>
+                <a16:creationId xmlns="" xmlns:a16="http://schemas.microsoft.com/office/drawing/2014/main" id="{9A421166-2996-41A7-B094-AE5316F347DD}"/>
               </a:ext>
               <a:ext uri="{C183D7F6-B498-43B3-948B-1728B52AA6E4}">
-                <adec:decorative xmlns:adec="http://schemas.microsoft.com/office/drawing/2017/decorative" xmlns="" val="1"/>
+                <adec:decorative xmlns="" xmlns:adec="http://schemas.microsoft.com/office/drawing/2017/decorative" val="1"/>
               </a:ext>
             </a:extLst>
           </p:cNvPr>
@@ -11762,7 +11786,7 @@
           <p:nvPr>
             <p:extLst>
               <p:ext uri="{386F3935-93C4-4BCD-93E2-E3B085C9AB24}">
-                <p16:designElem xmlns:p16="http://schemas.microsoft.com/office/powerpoint/2015/main" xmlns="" val="1"/>
+                <p16:designElem xmlns="" xmlns:p16="http://schemas.microsoft.com/office/powerpoint/2015/main" val="1"/>
               </p:ext>
             </p:extLst>
           </p:nvPr>
@@ -11780,10 +11804,10 @@
             <p:cNvPr id="15" name="Rectangle 14">
               <a:extLst>
                 <a:ext uri="{FF2B5EF4-FFF2-40B4-BE49-F238E27FC236}">
-                  <a16:creationId xmlns:a16="http://schemas.microsoft.com/office/drawing/2014/main" xmlns="" id="{FDBB1B92-A3EB-43E4-8FAB-D20E8ED14CEF}"/>
+                  <a16:creationId xmlns="" xmlns:a16="http://schemas.microsoft.com/office/drawing/2014/main" id="{FDBB1B92-A3EB-43E4-8FAB-D20E8ED14CEF}"/>
                 </a:ext>
                 <a:ext uri="{C183D7F6-B498-43B3-948B-1728B52AA6E4}">
-                  <adec:decorative xmlns:adec="http://schemas.microsoft.com/office/drawing/2017/decorative" xmlns="" val="1"/>
+                  <adec:decorative xmlns="" xmlns:adec="http://schemas.microsoft.com/office/drawing/2017/decorative" val="1"/>
                 </a:ext>
               </a:extLst>
             </p:cNvPr>
@@ -11791,7 +11815,7 @@
             <p:nvPr>
               <p:extLst>
                 <p:ext uri="{386F3935-93C4-4BCD-93E2-E3B085C9AB24}">
-                  <p16:designElem xmlns:p16="http://schemas.microsoft.com/office/powerpoint/2015/main" xmlns="" val="1"/>
+                  <p16:designElem xmlns="" xmlns:p16="http://schemas.microsoft.com/office/powerpoint/2015/main" val="1"/>
                 </p:ext>
               </p:extLst>
             </p:nvPr>
@@ -11832,10 +11856,10 @@
             <p:cNvPr id="16" name="Rectangle 15">
               <a:extLst>
                 <a:ext uri="{FF2B5EF4-FFF2-40B4-BE49-F238E27FC236}">
-                  <a16:creationId xmlns:a16="http://schemas.microsoft.com/office/drawing/2014/main" xmlns="" id="{3F3972F4-FE7E-48EA-AAD8-9BE5750A6672}"/>
+                  <a16:creationId xmlns="" xmlns:a16="http://schemas.microsoft.com/office/drawing/2014/main" id="{3F3972F4-FE7E-48EA-AAD8-9BE5750A6672}"/>
                 </a:ext>
                 <a:ext uri="{C183D7F6-B498-43B3-948B-1728B52AA6E4}">
-                  <adec:decorative xmlns:adec="http://schemas.microsoft.com/office/drawing/2017/decorative" xmlns="" val="1"/>
+                  <adec:decorative xmlns="" xmlns:adec="http://schemas.microsoft.com/office/drawing/2017/decorative" val="1"/>
                 </a:ext>
               </a:extLst>
             </p:cNvPr>
@@ -11843,7 +11867,7 @@
             <p:nvPr>
               <p:extLst>
                 <p:ext uri="{386F3935-93C4-4BCD-93E2-E3B085C9AB24}">
-                  <p16:designElem xmlns:p16="http://schemas.microsoft.com/office/powerpoint/2015/main" xmlns="" val="1"/>
+                  <p16:designElem xmlns="" xmlns:p16="http://schemas.microsoft.com/office/powerpoint/2015/main" val="1"/>
                 </p:ext>
               </p:extLst>
             </p:nvPr>
@@ -11884,10 +11908,10 @@
             <p:cNvPr id="17" name="Rectangle 16">
               <a:extLst>
                 <a:ext uri="{FF2B5EF4-FFF2-40B4-BE49-F238E27FC236}">
-                  <a16:creationId xmlns:a16="http://schemas.microsoft.com/office/drawing/2014/main" xmlns="" id="{221614E5-870B-4D5E-A43B-8FF7E5323484}"/>
+                  <a16:creationId xmlns="" xmlns:a16="http://schemas.microsoft.com/office/drawing/2014/main" id="{221614E5-870B-4D5E-A43B-8FF7E5323484}"/>
                 </a:ext>
                 <a:ext uri="{C183D7F6-B498-43B3-948B-1728B52AA6E4}">
-                  <adec:decorative xmlns:adec="http://schemas.microsoft.com/office/drawing/2017/decorative" xmlns="" val="1"/>
+                  <adec:decorative xmlns="" xmlns:adec="http://schemas.microsoft.com/office/drawing/2017/decorative" val="1"/>
                 </a:ext>
               </a:extLst>
             </p:cNvPr>
@@ -11895,7 +11919,7 @@
             <p:nvPr>
               <p:extLst>
                 <p:ext uri="{386F3935-93C4-4BCD-93E2-E3B085C9AB24}">
-                  <p16:designElem xmlns:p16="http://schemas.microsoft.com/office/powerpoint/2015/main" xmlns="" val="1"/>
+                  <p16:designElem xmlns="" xmlns:p16="http://schemas.microsoft.com/office/powerpoint/2015/main" val="1"/>
                 </p:ext>
               </p:extLst>
             </p:nvPr>
@@ -17939,14 +17963,14 @@
                     <a:gridCol w="5639111">
                       <a:extLst>
                         <a:ext uri="{9D8B030D-6E8A-4147-A177-3AD203B41FA5}">
-                          <a16:colId xmlns:a16="http://schemas.microsoft.com/office/drawing/2014/main" xmlns="" val="2965128104"/>
+                          <a16:colId xmlns="" xmlns:a16="http://schemas.microsoft.com/office/drawing/2014/main" val="2965128104"/>
                         </a:ext>
                       </a:extLst>
                     </a:gridCol>
                     <a:gridCol w="4425268">
                       <a:extLst>
                         <a:ext uri="{9D8B030D-6E8A-4147-A177-3AD203B41FA5}">
-                          <a16:colId xmlns:a16="http://schemas.microsoft.com/office/drawing/2014/main" xmlns="" val="1588638477"/>
+                          <a16:colId xmlns="" xmlns:a16="http://schemas.microsoft.com/office/drawing/2014/main" val="1588638477"/>
                         </a:ext>
                       </a:extLst>
                     </a:gridCol>
@@ -18051,7 +18075,7 @@
                     </a:tc>
                     <a:extLst>
                       <a:ext uri="{0D108BD9-81ED-4DB2-BD59-A6C34878D82A}">
-                        <a16:rowId xmlns:a16="http://schemas.microsoft.com/office/drawing/2014/main" xmlns="" val="3234838062"/>
+                        <a16:rowId xmlns="" xmlns:a16="http://schemas.microsoft.com/office/drawing/2014/main" val="3234838062"/>
                       </a:ext>
                     </a:extLst>
                   </a:tr>
@@ -18613,7 +18637,7 @@
                     </a:tc>
                     <a:extLst>
                       <a:ext uri="{0D108BD9-81ED-4DB2-BD59-A6C34878D82A}">
-                        <a16:rowId xmlns:a16="http://schemas.microsoft.com/office/drawing/2014/main" xmlns="" val="3580288508"/>
+                        <a16:rowId xmlns="" xmlns:a16="http://schemas.microsoft.com/office/drawing/2014/main" val="3580288508"/>
                       </a:ext>
                     </a:extLst>
                   </a:tr>
@@ -18833,8 +18857,8 @@
           </p:graphicFrame>
         </mc:Fallback>
       </mc:AlternateContent>
-      <mc:AlternateContent xmlns:mc="http://schemas.openxmlformats.org/markup-compatibility/2006">
-        <mc:Choice xmlns:a14="http://schemas.microsoft.com/office/drawing/2010/main" Requires="a14">
+      <mc:AlternateContent xmlns:mc="http://schemas.openxmlformats.org/markup-compatibility/2006" xmlns:a14="http://schemas.microsoft.com/office/drawing/2010/main">
+        <mc:Choice Requires="a14">
           <p:sp>
             <p:nvSpPr>
               <p:cNvPr id="6" name="Rectangle 5"/>
@@ -18942,10 +18966,11 @@
                     <m:f>
                       <m:fPr>
                         <m:ctrlPr>
-                          <a:rPr lang="en-US" sz="1600" b="1">
+                          <a:rPr lang="en-US" sz="1600" b="1" i="1">
                             <a:solidFill>
                               <a:schemeClr val="bg1"/>
                             </a:solidFill>
+                            <a:latin typeface="Cambria Math" panose="02040503050406030204" pitchFamily="18" charset="0"/>
                           </a:rPr>
                         </m:ctrlPr>
                       </m:fPr>
@@ -18956,10 +18981,11 @@
                             <m:subHide m:val="on"/>
                             <m:supHide m:val="on"/>
                             <m:ctrlPr>
-                              <a:rPr lang="en-US" sz="1600" b="1">
+                              <a:rPr lang="en-US" sz="1600" b="1" i="1">
                                 <a:solidFill>
                                   <a:schemeClr val="bg1"/>
                                 </a:solidFill>
+                                <a:latin typeface="Cambria Math" panose="02040503050406030204" pitchFamily="18" charset="0"/>
                               </a:rPr>
                             </m:ctrlPr>
                           </m:naryPr>
@@ -18980,6 +19006,7 @@
                                 <a:solidFill>
                                   <a:schemeClr val="bg1"/>
                                 </a:solidFill>
+                                <a:latin typeface="Cambria Math" panose="02040503050406030204" pitchFamily="18" charset="0"/>
                               </a:rPr>
                               <m:t>𝐹𝑎𝑣𝑜𝑟𝑖𝑡𝑒</m:t>
                             </m:r>
@@ -18988,6 +19015,7 @@
                                 <a:solidFill>
                                   <a:schemeClr val="bg1"/>
                                 </a:solidFill>
+                                <a:latin typeface="Cambria Math" panose="02040503050406030204" pitchFamily="18" charset="0"/>
                               </a:rPr>
                               <m:t> </m:t>
                             </m:r>
@@ -18996,6 +19024,7 @@
                                 <a:solidFill>
                                   <a:schemeClr val="bg1"/>
                                 </a:solidFill>
+                                <a:latin typeface="Cambria Math" panose="02040503050406030204" pitchFamily="18" charset="0"/>
                               </a:rPr>
                               <m:t>𝑐𝑜𝑢𝑛𝑡</m:t>
                             </m:r>
@@ -19004,6 +19033,7 @@
                                 <a:solidFill>
                                   <a:schemeClr val="bg1"/>
                                 </a:solidFill>
+                                <a:latin typeface="Cambria Math" panose="02040503050406030204" pitchFamily="18" charset="0"/>
                               </a:rPr>
                               <m:t>+</m:t>
                             </m:r>
@@ -19012,6 +19042,7 @@
                                 <a:solidFill>
                                   <a:schemeClr val="bg1"/>
                                 </a:solidFill>
+                                <a:latin typeface="Cambria Math" panose="02040503050406030204" pitchFamily="18" charset="0"/>
                               </a:rPr>
                               <m:t>𝑅𝑒𝑡𝑤𝑒𝑒𝑡</m:t>
                             </m:r>
@@ -19020,6 +19051,7 @@
                                 <a:solidFill>
                                   <a:schemeClr val="bg1"/>
                                 </a:solidFill>
+                                <a:latin typeface="Cambria Math" panose="02040503050406030204" pitchFamily="18" charset="0"/>
                               </a:rPr>
                               <m:t> </m:t>
                             </m:r>
@@ -19028,6 +19060,7 @@
                                 <a:solidFill>
                                   <a:schemeClr val="bg1"/>
                                 </a:solidFill>
+                                <a:latin typeface="Cambria Math" panose="02040503050406030204" pitchFamily="18" charset="0"/>
                               </a:rPr>
                               <m:t>𝑐𝑜𝑢𝑛𝑡</m:t>
                             </m:r>
@@ -19049,6 +19082,7 @@
                             <a:solidFill>
                               <a:schemeClr val="bg1"/>
                             </a:solidFill>
+                            <a:latin typeface="Cambria Math" panose="02040503050406030204" pitchFamily="18" charset="0"/>
                           </a:rPr>
                           <m:t>𝐹𝑜𝑙𝑙𝑜𝑤𝑒𝑟</m:t>
                         </m:r>
@@ -19057,6 +19091,7 @@
                             <a:solidFill>
                               <a:schemeClr val="bg1"/>
                             </a:solidFill>
+                            <a:latin typeface="Cambria Math" panose="02040503050406030204" pitchFamily="18" charset="0"/>
                           </a:rPr>
                           <m:t> </m:t>
                         </m:r>
@@ -19065,6 +19100,7 @@
                             <a:solidFill>
                               <a:schemeClr val="bg1"/>
                             </a:solidFill>
+                            <a:latin typeface="Cambria Math" panose="02040503050406030204" pitchFamily="18" charset="0"/>
                           </a:rPr>
                           <m:t>𝑐𝑜𝑢𝑛𝑡</m:t>
                         </m:r>
@@ -19101,7 +19137,7 @@
             </p:txBody>
           </p:sp>
         </mc:Choice>
-        <mc:Fallback>
+        <mc:Fallback xmlns="">
           <p:sp>
             <p:nvSpPr>
               <p:cNvPr id="6" name="Rectangle 5"/>
@@ -20985,20 +21021,20 @@
 </file>
 
 <file path=customXml/item1.xml><?xml version="1.0" encoding="utf-8"?>
-<p:properties xmlns:p="http://schemas.microsoft.com/office/2006/metadata/properties" xmlns:xsi="http://www.w3.org/2001/XMLSchema-instance" xmlns:pc="http://schemas.microsoft.com/office/infopath/2007/PartnerControls">
-  <documentManagement>
-    <MediaServiceKeyPoints xmlns="71af3243-3dd4-4a8d-8c0d-dd76da1f02a5" xsi:nil="true"/>
-  </documentManagement>
-</p:properties>
-</file>
-
-<file path=customXml/item2.xml><?xml version="1.0" encoding="utf-8"?>
 <?mso-contentType ?>
 <FormTemplates xmlns="http://schemas.microsoft.com/sharepoint/v3/contenttype/forms">
   <Display>DocumentLibraryForm</Display>
   <Edit>DocumentLibraryForm</Edit>
   <New>DocumentLibraryForm</New>
 </FormTemplates>
+</file>
+
+<file path=customXml/item2.xml><?xml version="1.0" encoding="utf-8"?>
+<p:properties xmlns:p="http://schemas.microsoft.com/office/2006/metadata/properties" xmlns:xsi="http://www.w3.org/2001/XMLSchema-instance" xmlns:pc="http://schemas.microsoft.com/office/infopath/2007/PartnerControls">
+  <documentManagement>
+    <MediaServiceKeyPoints xmlns="71af3243-3dd4-4a8d-8c0d-dd76da1f02a5" xsi:nil="true"/>
+  </documentManagement>
+</p:properties>
 </file>
 
 <file path=customXml/item3.xml><?xml version="1.0" encoding="utf-8"?>
@@ -21213,6 +21249,14 @@
 </file>
 
 <file path=customXml/itemProps1.xml><?xml version="1.0" encoding="utf-8"?>
+<ds:datastoreItem xmlns:ds="http://schemas.openxmlformats.org/officeDocument/2006/customXml" ds:itemID="{E3FC8A1C-A436-42C0-AC33-FAFFFAF219BC}">
+  <ds:schemaRefs>
+    <ds:schemaRef ds:uri="http://schemas.microsoft.com/sharepoint/v3/contenttype/forms"/>
+  </ds:schemaRefs>
+</ds:datastoreItem>
+</file>
+
+<file path=customXml/itemProps2.xml><?xml version="1.0" encoding="utf-8"?>
 <ds:datastoreItem xmlns:ds="http://schemas.openxmlformats.org/officeDocument/2006/customXml" ds:itemID="{FF5C8BF1-B0E4-49A1-808F-40F2AD30E743}">
   <ds:schemaRefs>
     <ds:schemaRef ds:uri="http://schemas.microsoft.com/office/infopath/2007/PartnerControls"/>
@@ -21225,14 +21269,6 @@
     <ds:schemaRef ds:uri="http://schemas.openxmlformats.org/package/2006/metadata/core-properties"/>
     <ds:schemaRef ds:uri="71af3243-3dd4-4a8d-8c0d-dd76da1f02a5"/>
     <ds:schemaRef ds:uri="http://schemas.microsoft.com/office/2006/metadata/properties"/>
-  </ds:schemaRefs>
-</ds:datastoreItem>
-</file>
-
-<file path=customXml/itemProps2.xml><?xml version="1.0" encoding="utf-8"?>
-<ds:datastoreItem xmlns:ds="http://schemas.openxmlformats.org/officeDocument/2006/customXml" ds:itemID="{E3FC8A1C-A436-42C0-AC33-FAFFFAF219BC}">
-  <ds:schemaRefs>
-    <ds:schemaRef ds:uri="http://schemas.microsoft.com/sharepoint/v3/contenttype/forms"/>
   </ds:schemaRefs>
 </ds:datastoreItem>
 </file>
